--- a/Final Project/Report and Presentation/CSYE 7374  - Final Project - Presentation.pptx
+++ b/Final Project/Report and Presentation/CSYE 7374  - Final Project - Presentation.pptx
@@ -132,6 +132,10 @@
     </p:ext>
   </p:extLst>
 </p:presentation>
+</file>
+
+<file path=ppt/revisionInfo.xml><?xml version="1.0" encoding="utf-8"?>
+<p1510:revInfo xmlns:a="http://schemas.openxmlformats.org/drawingml/2006/main" xmlns:r="http://schemas.openxmlformats.org/officeDocument/2006/relationships" xmlns:p1510="http://schemas.microsoft.com/office/powerpoint/2015/10/main"/>
 </file>
 
 <file path=ppt/changesInfos/changesInfo1.xml><?xml version="1.0" encoding="utf-8"?>
@@ -513,7 +517,7 @@
           </ac:spMkLst>
         </pc:spChg>
         <pc:spChg chg="add del">
-          <ac:chgData name="VENKATESH BABU" userId="a5963bf28fa160f0" providerId="LiveId" clId="{E6ACAB83-FA2F-4FD6-A11A-48CCF001C156}" dt="2017-12-15T12:08:10.919" v="403"/>
+          <ac:chgData name="VENKATESH BABU" userId="a5963bf28fa160f0" providerId="LiveId" clId="{E6ACAB83-FA2F-4FD6-A11A-48CCF001C156}" dt="2017-12-15T12:08:10.919" v="403" actId="6549"/>
           <ac:spMkLst>
             <pc:docMk/>
             <pc:sldMk cId="3013139546" sldId="278"/>
@@ -5259,7 +5263,7 @@
               <a:rPr lang="en-IN" sz="2800" dirty="0">
                 <a:effectLst/>
               </a:rPr>
-              <a:t>Approach 2 - Model 2: MLP</a:t>
+              <a:t>Approach 2 - Model 2: CNN - MLP</a:t>
             </a:r>
             <a:endParaRPr lang="en-IN" sz="2800" dirty="0"/>
           </a:p>
@@ -5417,7 +5421,7 @@
               <a:rPr lang="en-IN" sz="2800" dirty="0">
                 <a:effectLst/>
               </a:rPr>
-              <a:t>Approach 2 - Model 2: MLP</a:t>
+              <a:t>Approach 2 - Model 2: CNN - MLP</a:t>
             </a:r>
             <a:endParaRPr lang="en-IN" sz="2800" dirty="0"/>
           </a:p>
@@ -5517,7 +5521,7 @@
             </a:pPr>
             <a:r>
               <a:rPr lang="en-IN" sz="1700" dirty="0"/>
-              <a:t>From the accuracy of the above built model we can say MLP is the best of all the model with 72 percent accuracy </a:t>
+              <a:t>From the accuracy of the above built model we can say CNN - MLP is the best of all the model with 72 percent accuracy </a:t>
             </a:r>
           </a:p>
           <a:p>
@@ -5592,10 +5596,10 @@
       </p:pic>
       <p:graphicFrame>
         <p:nvGraphicFramePr>
-          <p:cNvPr id="6" name="Table 5">
+          <p:cNvPr id="4" name="Table 3">
             <a:extLst>
               <a:ext uri="{FF2B5EF4-FFF2-40B4-BE49-F238E27FC236}">
-                <a16:creationId xmlns:a16="http://schemas.microsoft.com/office/drawing/2014/main" id="{DF0EE970-C4E2-4A80-BF6B-E591493AD50F}"/>
+                <a16:creationId xmlns:a16="http://schemas.microsoft.com/office/drawing/2014/main" id="{2CB76E5A-4C55-41E5-B06B-5DB1657C2D21}"/>
               </a:ext>
             </a:extLst>
           </p:cNvPr>
@@ -5605,14 +5609,14 @@
           <p:nvPr>
             <p:extLst>
               <p:ext uri="{D42A27DB-BD31-4B8C-83A1-F6EECF244321}">
-                <p14:modId xmlns:p14="http://schemas.microsoft.com/office/powerpoint/2010/main" val="1450506831"/>
+                <p14:modId xmlns:p14="http://schemas.microsoft.com/office/powerpoint/2010/main" val="3256280463"/>
               </p:ext>
             </p:extLst>
           </p:nvPr>
         </p:nvGraphicFramePr>
         <p:xfrm>
-          <a:off x="971599" y="1268760"/>
-          <a:ext cx="3096345" cy="776104"/>
+          <a:off x="1053728" y="1226840"/>
+          <a:ext cx="2870200" cy="762000"/>
         </p:xfrm>
         <a:graphic>
           <a:graphicData uri="http://schemas.openxmlformats.org/drawingml/2006/table">
@@ -5621,35 +5625,35 @@
                 <a:tableStyleId>{5C22544A-7EE6-4342-B048-85BDC9FD1C3A}</a:tableStyleId>
               </a:tblPr>
               <a:tblGrid>
-                <a:gridCol w="1032115">
+                <a:gridCol w="1181100">
                   <a:extLst>
                     <a:ext uri="{9D8B030D-6E8A-4147-A177-3AD203B41FA5}">
-                      <a16:colId xmlns:a16="http://schemas.microsoft.com/office/drawing/2014/main" val="3124620880"/>
+                      <a16:colId xmlns:a16="http://schemas.microsoft.com/office/drawing/2014/main" val="4171517586"/>
                     </a:ext>
                   </a:extLst>
                 </a:gridCol>
-                <a:gridCol w="1032115">
+                <a:gridCol w="609600">
                   <a:extLst>
                     <a:ext uri="{9D8B030D-6E8A-4147-A177-3AD203B41FA5}">
-                      <a16:colId xmlns:a16="http://schemas.microsoft.com/office/drawing/2014/main" val="1691181693"/>
+                      <a16:colId xmlns:a16="http://schemas.microsoft.com/office/drawing/2014/main" val="1584315165"/>
                     </a:ext>
                   </a:extLst>
                 </a:gridCol>
-                <a:gridCol w="1032115">
+                <a:gridCol w="1079500">
                   <a:extLst>
                     <a:ext uri="{9D8B030D-6E8A-4147-A177-3AD203B41FA5}">
-                      <a16:colId xmlns:a16="http://schemas.microsoft.com/office/drawing/2014/main" val="1685401289"/>
+                      <a16:colId xmlns:a16="http://schemas.microsoft.com/office/drawing/2014/main" val="103783755"/>
                     </a:ext>
                   </a:extLst>
                 </a:gridCol>
               </a:tblGrid>
-              <a:tr h="227464">
+              <a:tr h="190500">
                 <a:tc>
                   <a:txBody>
                     <a:bodyPr/>
                     <a:lstStyle/>
                     <a:p>
-                      <a:pPr algn="l" fontAlgn="b"/>
+                      <a:pPr algn="l" rtl="0" fontAlgn="b"/>
                       <a:r>
                         <a:rPr lang="en-IN" sz="1100" b="1" u="none" strike="noStrike">
                           <a:effectLst/>
@@ -5661,7 +5665,7 @@
                           <a:srgbClr val="000000"/>
                         </a:solidFill>
                         <a:effectLst/>
-                        <a:latin typeface="Calibri" panose="020F0502020204030204" pitchFamily="34" charset="0"/>
+                        <a:latin typeface="Lucida Sans Unicode" panose="020B0602030504020204" pitchFamily="34" charset="0"/>
                       </a:endParaRPr>
                     </a:p>
                   </a:txBody>
@@ -5672,19 +5676,19 @@
                     <a:bodyPr/>
                     <a:lstStyle/>
                     <a:p>
-                      <a:pPr algn="l" fontAlgn="b"/>
+                      <a:pPr algn="l" rtl="0" fontAlgn="b"/>
                       <a:r>
-                        <a:rPr lang="en-IN" sz="1100" b="1" u="none" strike="noStrike" dirty="0">
+                        <a:rPr lang="en-IN" sz="1100" b="1" u="none" strike="noStrike">
                           <a:effectLst/>
                         </a:rPr>
                         <a:t>Loss </a:t>
                       </a:r>
-                      <a:endParaRPr lang="en-IN" sz="1100" b="1" i="0" u="none" strike="noStrike" dirty="0">
+                      <a:endParaRPr lang="en-IN" sz="1100" b="1" i="0" u="none" strike="noStrike">
                         <a:solidFill>
                           <a:srgbClr val="000000"/>
                         </a:solidFill>
                         <a:effectLst/>
-                        <a:latin typeface="Calibri" panose="020F0502020204030204" pitchFamily="34" charset="0"/>
+                        <a:latin typeface="Lucida Sans Unicode" panose="020B0602030504020204" pitchFamily="34" charset="0"/>
                       </a:endParaRPr>
                     </a:p>
                   </a:txBody>
@@ -5695,7 +5699,7 @@
                     <a:bodyPr/>
                     <a:lstStyle/>
                     <a:p>
-                      <a:pPr algn="l" fontAlgn="b"/>
+                      <a:pPr algn="l" rtl="0" fontAlgn="b"/>
                       <a:r>
                         <a:rPr lang="en-IN" sz="1100" b="1" u="none" strike="noStrike" dirty="0">
                           <a:effectLst/>
@@ -5707,7 +5711,7 @@
                           <a:srgbClr val="000000"/>
                         </a:solidFill>
                         <a:effectLst/>
-                        <a:latin typeface="Calibri" panose="020F0502020204030204" pitchFamily="34" charset="0"/>
+                        <a:latin typeface="Lucida Sans Unicode" panose="020B0602030504020204" pitchFamily="34" charset="0"/>
                       </a:endParaRPr>
                     </a:p>
                   </a:txBody>
@@ -5715,29 +5719,29 @@
                 </a:tc>
                 <a:extLst>
                   <a:ext uri="{0D108BD9-81ED-4DB2-BD59-A6C34878D82A}">
-                    <a16:rowId xmlns:a16="http://schemas.microsoft.com/office/drawing/2014/main" val="2599707270"/>
+                    <a16:rowId xmlns:a16="http://schemas.microsoft.com/office/drawing/2014/main" val="3661598941"/>
                   </a:ext>
                 </a:extLst>
               </a:tr>
-              <a:tr h="182880">
+              <a:tr h="190500">
                 <a:tc>
                   <a:txBody>
                     <a:bodyPr/>
                     <a:lstStyle/>
                     <a:p>
-                      <a:pPr algn="l" fontAlgn="b"/>
+                      <a:pPr algn="l" rtl="0" fontAlgn="b"/>
                       <a:r>
                         <a:rPr lang="en-IN" sz="1100" u="none" strike="noStrike">
                           <a:effectLst/>
                         </a:rPr>
-                        <a:t>MLP</a:t>
+                        <a:t>CNN - MLP</a:t>
                       </a:r>
                       <a:endParaRPr lang="en-IN" sz="1100" b="0" i="0" u="none" strike="noStrike">
                         <a:solidFill>
                           <a:srgbClr val="000000"/>
                         </a:solidFill>
                         <a:effectLst/>
-                        <a:latin typeface="Calibri" panose="020F0502020204030204" pitchFamily="34" charset="0"/>
+                        <a:latin typeface="Lucida Sans Unicode" panose="020B0602030504020204" pitchFamily="34" charset="0"/>
                       </a:endParaRPr>
                     </a:p>
                   </a:txBody>
@@ -5748,19 +5752,19 @@
                     <a:bodyPr/>
                     <a:lstStyle/>
                     <a:p>
-                      <a:pPr algn="ctr" fontAlgn="b"/>
+                      <a:pPr algn="ctr" rtl="0" fontAlgn="b"/>
                       <a:r>
-                        <a:rPr lang="en-IN" sz="1100" u="none" strike="noStrike" dirty="0">
+                        <a:rPr lang="en-IN" sz="1100" u="none" strike="noStrike">
                           <a:effectLst/>
                         </a:rPr>
                         <a:t>1.14</a:t>
                       </a:r>
-                      <a:endParaRPr lang="en-IN" sz="1100" b="0" i="0" u="none" strike="noStrike" dirty="0">
+                      <a:endParaRPr lang="en-IN" sz="1100" b="0" i="0" u="none" strike="noStrike">
                         <a:solidFill>
                           <a:srgbClr val="000000"/>
                         </a:solidFill>
                         <a:effectLst/>
-                        <a:latin typeface="Calibri" panose="020F0502020204030204" pitchFamily="34" charset="0"/>
+                        <a:latin typeface="Lucida Sans Unicode" panose="020B0602030504020204" pitchFamily="34" charset="0"/>
                       </a:endParaRPr>
                     </a:p>
                   </a:txBody>
@@ -5771,9 +5775,9 @@
                     <a:bodyPr/>
                     <a:lstStyle/>
                     <a:p>
-                      <a:pPr algn="ctr" fontAlgn="b"/>
+                      <a:pPr algn="ctr" rtl="0" fontAlgn="b"/>
                       <a:r>
-                        <a:rPr lang="en-IN" sz="1100" u="none" strike="noStrike" dirty="0">
+                        <a:rPr lang="en-IN" sz="1100" b="1" u="none" strike="noStrike" dirty="0">
                           <a:effectLst/>
                           <a:highlight>
                             <a:srgbClr val="FFFF00"/>
@@ -5781,7 +5785,7 @@
                         </a:rPr>
                         <a:t>72</a:t>
                       </a:r>
-                      <a:endParaRPr lang="en-IN" sz="1100" b="0" i="0" u="none" strike="noStrike" dirty="0">
+                      <a:endParaRPr lang="en-IN" sz="1100" b="1" i="0" u="none" strike="noStrike" dirty="0">
                         <a:solidFill>
                           <a:srgbClr val="000000"/>
                         </a:solidFill>
@@ -5789,7 +5793,7 @@
                         <a:highlight>
                           <a:srgbClr val="FFFF00"/>
                         </a:highlight>
-                        <a:latin typeface="Calibri" panose="020F0502020204030204" pitchFamily="34" charset="0"/>
+                        <a:latin typeface="Lucida Sans Unicode" panose="020B0602030504020204" pitchFamily="34" charset="0"/>
                       </a:endParaRPr>
                     </a:p>
                   </a:txBody>
@@ -5797,29 +5801,29 @@
                 </a:tc>
                 <a:extLst>
                   <a:ext uri="{0D108BD9-81ED-4DB2-BD59-A6C34878D82A}">
-                    <a16:rowId xmlns:a16="http://schemas.microsoft.com/office/drawing/2014/main" val="607250227"/>
+                    <a16:rowId xmlns:a16="http://schemas.microsoft.com/office/drawing/2014/main" val="1507608637"/>
                   </a:ext>
                 </a:extLst>
               </a:tr>
-              <a:tr h="182880">
+              <a:tr h="190500">
                 <a:tc>
                   <a:txBody>
                     <a:bodyPr/>
                     <a:lstStyle/>
                     <a:p>
-                      <a:pPr algn="l" fontAlgn="b"/>
+                      <a:pPr algn="l" rtl="0" fontAlgn="b"/>
                       <a:r>
                         <a:rPr lang="en-IN" sz="1100" u="none" strike="noStrike">
                           <a:effectLst/>
                         </a:rPr>
-                        <a:t>LSTM</a:t>
+                        <a:t>CNN - LSTM</a:t>
                       </a:r>
                       <a:endParaRPr lang="en-IN" sz="1100" b="0" i="0" u="none" strike="noStrike">
                         <a:solidFill>
                           <a:srgbClr val="000000"/>
                         </a:solidFill>
                         <a:effectLst/>
-                        <a:latin typeface="Calibri" panose="020F0502020204030204" pitchFamily="34" charset="0"/>
+                        <a:latin typeface="Lucida Sans Unicode" panose="020B0602030504020204" pitchFamily="34" charset="0"/>
                       </a:endParaRPr>
                     </a:p>
                   </a:txBody>
@@ -5830,19 +5834,19 @@
                     <a:bodyPr/>
                     <a:lstStyle/>
                     <a:p>
-                      <a:pPr algn="ctr" fontAlgn="b"/>
+                      <a:pPr algn="ctr" rtl="0" fontAlgn="b"/>
                       <a:r>
-                        <a:rPr lang="en-IN" sz="1100" u="none" strike="noStrike" dirty="0">
+                        <a:rPr lang="en-IN" sz="1100" u="none" strike="noStrike">
                           <a:effectLst/>
                         </a:rPr>
                         <a:t>1.21</a:t>
                       </a:r>
-                      <a:endParaRPr lang="en-IN" sz="1100" b="0" i="0" u="none" strike="noStrike" dirty="0">
+                      <a:endParaRPr lang="en-IN" sz="1100" b="0" i="0" u="none" strike="noStrike">
                         <a:solidFill>
                           <a:srgbClr val="000000"/>
                         </a:solidFill>
                         <a:effectLst/>
-                        <a:latin typeface="Calibri" panose="020F0502020204030204" pitchFamily="34" charset="0"/>
+                        <a:latin typeface="Lucida Sans Unicode" panose="020B0602030504020204" pitchFamily="34" charset="0"/>
                       </a:endParaRPr>
                     </a:p>
                   </a:txBody>
@@ -5853,7 +5857,7 @@
                     <a:bodyPr/>
                     <a:lstStyle/>
                     <a:p>
-                      <a:pPr algn="ctr" fontAlgn="b"/>
+                      <a:pPr algn="ctr" rtl="0" fontAlgn="b"/>
                       <a:r>
                         <a:rPr lang="en-IN" sz="1100" u="none" strike="noStrike" dirty="0">
                           <a:effectLst/>
@@ -5865,7 +5869,7 @@
                           <a:srgbClr val="000000"/>
                         </a:solidFill>
                         <a:effectLst/>
-                        <a:latin typeface="Calibri" panose="020F0502020204030204" pitchFamily="34" charset="0"/>
+                        <a:latin typeface="Lucida Sans Unicode" panose="020B0602030504020204" pitchFamily="34" charset="0"/>
                       </a:endParaRPr>
                     </a:p>
                   </a:txBody>
@@ -5873,17 +5877,17 @@
                 </a:tc>
                 <a:extLst>
                   <a:ext uri="{0D108BD9-81ED-4DB2-BD59-A6C34878D82A}">
-                    <a16:rowId xmlns:a16="http://schemas.microsoft.com/office/drawing/2014/main" val="3521025251"/>
+                    <a16:rowId xmlns:a16="http://schemas.microsoft.com/office/drawing/2014/main" val="3178267579"/>
                   </a:ext>
                 </a:extLst>
               </a:tr>
-              <a:tr h="182880">
+              <a:tr h="190500">
                 <a:tc>
                   <a:txBody>
                     <a:bodyPr/>
                     <a:lstStyle/>
                     <a:p>
-                      <a:pPr algn="l" fontAlgn="b"/>
+                      <a:pPr algn="l" rtl="0" fontAlgn="b"/>
                       <a:r>
                         <a:rPr lang="en-IN" sz="1100" u="none" strike="noStrike">
                           <a:effectLst/>
@@ -5895,7 +5899,7 @@
                           <a:srgbClr val="000000"/>
                         </a:solidFill>
                         <a:effectLst/>
-                        <a:latin typeface="Calibri" panose="020F0502020204030204" pitchFamily="34" charset="0"/>
+                        <a:latin typeface="Lucida Sans Unicode" panose="020B0602030504020204" pitchFamily="34" charset="0"/>
                       </a:endParaRPr>
                     </a:p>
                   </a:txBody>
@@ -5906,19 +5910,19 @@
                     <a:bodyPr/>
                     <a:lstStyle/>
                     <a:p>
-                      <a:pPr algn="ctr" fontAlgn="b"/>
+                      <a:pPr algn="ctr" rtl="0" fontAlgn="b"/>
                       <a:r>
-                        <a:rPr lang="en-IN" sz="1100" u="none" strike="noStrike" dirty="0">
+                        <a:rPr lang="en-IN" sz="1100" u="none" strike="noStrike">
                           <a:effectLst/>
                         </a:rPr>
                         <a:t>2.7</a:t>
                       </a:r>
-                      <a:endParaRPr lang="en-IN" sz="1100" b="0" i="0" u="none" strike="noStrike" dirty="0">
+                      <a:endParaRPr lang="en-IN" sz="1100" b="0" i="0" u="none" strike="noStrike">
                         <a:solidFill>
                           <a:srgbClr val="000000"/>
                         </a:solidFill>
                         <a:effectLst/>
-                        <a:latin typeface="Calibri" panose="020F0502020204030204" pitchFamily="34" charset="0"/>
+                        <a:latin typeface="Lucida Sans Unicode" panose="020B0602030504020204" pitchFamily="34" charset="0"/>
                       </a:endParaRPr>
                     </a:p>
                   </a:txBody>
@@ -5929,7 +5933,7 @@
                     <a:bodyPr/>
                     <a:lstStyle/>
                     <a:p>
-                      <a:pPr algn="ctr" fontAlgn="b"/>
+                      <a:pPr algn="ctr" rtl="0" fontAlgn="b"/>
                       <a:r>
                         <a:rPr lang="en-IN" sz="1100" u="none" strike="noStrike" dirty="0">
                           <a:effectLst/>
@@ -5941,7 +5945,7 @@
                           <a:srgbClr val="000000"/>
                         </a:solidFill>
                         <a:effectLst/>
-                        <a:latin typeface="Calibri" panose="020F0502020204030204" pitchFamily="34" charset="0"/>
+                        <a:latin typeface="Lucida Sans Unicode" panose="020B0602030504020204" pitchFamily="34" charset="0"/>
                       </a:endParaRPr>
                     </a:p>
                   </a:txBody>
@@ -5949,7 +5953,7 @@
                 </a:tc>
                 <a:extLst>
                   <a:ext uri="{0D108BD9-81ED-4DB2-BD59-A6C34878D82A}">
-                    <a16:rowId xmlns:a16="http://schemas.microsoft.com/office/drawing/2014/main" val="2958239264"/>
+                    <a16:rowId xmlns:a16="http://schemas.microsoft.com/office/drawing/2014/main" val="2938416431"/>
                   </a:ext>
                 </a:extLst>
               </a:tr>
@@ -7191,7 +7195,7 @@
               <a:rPr lang="en-IN" sz="3100" dirty="0">
                 <a:effectLst/>
               </a:rPr>
-              <a:t>Approach 2: Using Features</a:t>
+              <a:t>Approach 2: Using Features ( CNN )</a:t>
             </a:r>
             <a:br>
               <a:rPr lang="en-IN" dirty="0">
@@ -7441,7 +7445,7 @@
               <a:rPr lang="en-IN" sz="2800" dirty="0">
                 <a:effectLst/>
               </a:rPr>
-              <a:t>Approach 2 - Model 1: LSTM</a:t>
+              <a:t>Approach 2 - Model 1: CNN - LSTM</a:t>
             </a:r>
             <a:endParaRPr lang="en-IN" sz="2800" dirty="0"/>
           </a:p>
@@ -7605,7 +7609,7 @@
               <a:rPr lang="en-IN" sz="2800" dirty="0">
                 <a:effectLst/>
               </a:rPr>
-              <a:t>Approach 2 - Model 1: LSTM</a:t>
+              <a:t>Approach 2 - Model 1: CNN - LSTM</a:t>
             </a:r>
             <a:endParaRPr lang="en-IN" sz="2800" dirty="0"/>
           </a:p>
